--- a/Screen_degin/Screen_mypage.pptx
+++ b/Screen_degin/Screen_mypage.pptx
@@ -6,6 +6,8 @@
   </p:sldMasterIdLst>
   <p:sldIdLst>
     <p:sldId id="256" r:id="rId2"/>
+    <p:sldId id="257" r:id="rId3"/>
+    <p:sldId id="258" r:id="rId4"/>
   </p:sldIdLst>
   <p:sldSz cx="12192000" cy="6858000"/>
   <p:notesSz cx="6858000" cy="9144000"/>
@@ -259,7 +261,7 @@
           <a:p>
             <a:fld id="{7FFABE26-4816-440F-9EBB-3564CED7FE4A}" type="datetimeFigureOut">
               <a:rPr lang="ko-KR" altLang="en-US" smtClean="0"/>
-              <a:t>2025-01-01</a:t>
+              <a:t>2025-02-07</a:t>
             </a:fld>
             <a:endParaRPr lang="ko-KR" altLang="en-US"/>
           </a:p>
@@ -457,7 +459,7 @@
           <a:p>
             <a:fld id="{7FFABE26-4816-440F-9EBB-3564CED7FE4A}" type="datetimeFigureOut">
               <a:rPr lang="ko-KR" altLang="en-US" smtClean="0"/>
-              <a:t>2025-01-01</a:t>
+              <a:t>2025-02-07</a:t>
             </a:fld>
             <a:endParaRPr lang="ko-KR" altLang="en-US"/>
           </a:p>
@@ -665,7 +667,7 @@
           <a:p>
             <a:fld id="{7FFABE26-4816-440F-9EBB-3564CED7FE4A}" type="datetimeFigureOut">
               <a:rPr lang="ko-KR" altLang="en-US" smtClean="0"/>
-              <a:t>2025-01-01</a:t>
+              <a:t>2025-02-07</a:t>
             </a:fld>
             <a:endParaRPr lang="ko-KR" altLang="en-US"/>
           </a:p>
@@ -863,7 +865,7 @@
           <a:p>
             <a:fld id="{7FFABE26-4816-440F-9EBB-3564CED7FE4A}" type="datetimeFigureOut">
               <a:rPr lang="ko-KR" altLang="en-US" smtClean="0"/>
-              <a:t>2025-01-01</a:t>
+              <a:t>2025-02-07</a:t>
             </a:fld>
             <a:endParaRPr lang="ko-KR" altLang="en-US"/>
           </a:p>
@@ -1138,7 +1140,7 @@
           <a:p>
             <a:fld id="{7FFABE26-4816-440F-9EBB-3564CED7FE4A}" type="datetimeFigureOut">
               <a:rPr lang="ko-KR" altLang="en-US" smtClean="0"/>
-              <a:t>2025-01-01</a:t>
+              <a:t>2025-02-07</a:t>
             </a:fld>
             <a:endParaRPr lang="ko-KR" altLang="en-US"/>
           </a:p>
@@ -1403,7 +1405,7 @@
           <a:p>
             <a:fld id="{7FFABE26-4816-440F-9EBB-3564CED7FE4A}" type="datetimeFigureOut">
               <a:rPr lang="ko-KR" altLang="en-US" smtClean="0"/>
-              <a:t>2025-01-01</a:t>
+              <a:t>2025-02-07</a:t>
             </a:fld>
             <a:endParaRPr lang="ko-KR" altLang="en-US"/>
           </a:p>
@@ -1815,7 +1817,7 @@
           <a:p>
             <a:fld id="{7FFABE26-4816-440F-9EBB-3564CED7FE4A}" type="datetimeFigureOut">
               <a:rPr lang="ko-KR" altLang="en-US" smtClean="0"/>
-              <a:t>2025-01-01</a:t>
+              <a:t>2025-02-07</a:t>
             </a:fld>
             <a:endParaRPr lang="ko-KR" altLang="en-US"/>
           </a:p>
@@ -1956,7 +1958,7 @@
           <a:p>
             <a:fld id="{7FFABE26-4816-440F-9EBB-3564CED7FE4A}" type="datetimeFigureOut">
               <a:rPr lang="ko-KR" altLang="en-US" smtClean="0"/>
-              <a:t>2025-01-01</a:t>
+              <a:t>2025-02-07</a:t>
             </a:fld>
             <a:endParaRPr lang="ko-KR" altLang="en-US"/>
           </a:p>
@@ -2069,7 +2071,7 @@
           <a:p>
             <a:fld id="{7FFABE26-4816-440F-9EBB-3564CED7FE4A}" type="datetimeFigureOut">
               <a:rPr lang="ko-KR" altLang="en-US" smtClean="0"/>
-              <a:t>2025-01-01</a:t>
+              <a:t>2025-02-07</a:t>
             </a:fld>
             <a:endParaRPr lang="ko-KR" altLang="en-US"/>
           </a:p>
@@ -2380,7 +2382,7 @@
           <a:p>
             <a:fld id="{7FFABE26-4816-440F-9EBB-3564CED7FE4A}" type="datetimeFigureOut">
               <a:rPr lang="ko-KR" altLang="en-US" smtClean="0"/>
-              <a:t>2025-01-01</a:t>
+              <a:t>2025-02-07</a:t>
             </a:fld>
             <a:endParaRPr lang="ko-KR" altLang="en-US"/>
           </a:p>
@@ -2668,7 +2670,7 @@
           <a:p>
             <a:fld id="{7FFABE26-4816-440F-9EBB-3564CED7FE4A}" type="datetimeFigureOut">
               <a:rPr lang="ko-KR" altLang="en-US" smtClean="0"/>
-              <a:t>2025-01-01</a:t>
+              <a:t>2025-02-07</a:t>
             </a:fld>
             <a:endParaRPr lang="ko-KR" altLang="en-US"/>
           </a:p>
@@ -2909,7 +2911,7 @@
           <a:p>
             <a:fld id="{7FFABE26-4816-440F-9EBB-3564CED7FE4A}" type="datetimeFigureOut">
               <a:rPr lang="ko-KR" altLang="en-US" smtClean="0"/>
-              <a:t>2025-01-01</a:t>
+              <a:t>2025-02-07</a:t>
             </a:fld>
             <a:endParaRPr lang="ko-KR" altLang="en-US"/>
           </a:p>
@@ -3507,7 +3509,7 @@
         </p:nvSpPr>
         <p:spPr>
           <a:xfrm>
-            <a:off x="2659524" y="1730304"/>
+            <a:off x="2682670" y="1621570"/>
             <a:ext cx="1947310" cy="369332"/>
           </a:xfrm>
           <a:prstGeom prst="rect">
@@ -3547,7 +3549,7 @@
         </p:nvSpPr>
         <p:spPr>
           <a:xfrm>
-            <a:off x="2659524" y="2180581"/>
+            <a:off x="2682670" y="1995915"/>
             <a:ext cx="1947310" cy="369332"/>
           </a:xfrm>
           <a:prstGeom prst="rect">
@@ -3624,7 +3626,7 @@
         </p:nvSpPr>
         <p:spPr>
           <a:xfrm>
-            <a:off x="5638800" y="2971800"/>
+            <a:off x="7471278" y="2966787"/>
             <a:ext cx="914400" cy="914400"/>
           </a:xfrm>
           <a:prstGeom prst="rect">
@@ -3882,7 +3884,7 @@
         </p:nvSpPr>
         <p:spPr>
           <a:xfrm>
-            <a:off x="5392886" y="602724"/>
+            <a:off x="7225364" y="597711"/>
             <a:ext cx="3561348" cy="5669280"/>
           </a:xfrm>
           <a:prstGeom prst="roundRect">
@@ -3986,46 +3988,6 @@
             <a:r>
               <a:rPr lang="ko-KR" altLang="en-US" dirty="0"/>
               <a:t>구매 내역</a:t>
-            </a:r>
-          </a:p>
-        </p:txBody>
-      </p:sp>
-      <p:sp>
-        <p:nvSpPr>
-          <p:cNvPr id="26" name="TextBox 25">
-            <a:extLst>
-              <a:ext uri="{FF2B5EF4-FFF2-40B4-BE49-F238E27FC236}">
-                <a16:creationId xmlns:a16="http://schemas.microsoft.com/office/drawing/2014/main" id="{8FED2EEA-DB63-E0C8-ED64-2F0DF94617F4}"/>
-              </a:ext>
-            </a:extLst>
-          </p:cNvPr>
-          <p:cNvSpPr txBox="1"/>
-          <p:nvPr/>
-        </p:nvSpPr>
-        <p:spPr>
-          <a:xfrm>
-            <a:off x="3147119" y="2973045"/>
-            <a:ext cx="1588967" cy="276999"/>
-          </a:xfrm>
-          <a:prstGeom prst="rect">
-            <a:avLst/>
-          </a:prstGeom>
-          <a:noFill/>
-          <a:ln>
-            <a:solidFill>
-              <a:schemeClr val="tx1"/>
-            </a:solidFill>
-          </a:ln>
-        </p:spPr>
-        <p:txBody>
-          <a:bodyPr wrap="square" rtlCol="0">
-            <a:spAutoFit/>
-          </a:bodyPr>
-          <a:lstStyle/>
-          <a:p>
-            <a:r>
-              <a:rPr lang="ko-KR" altLang="en-US" sz="1200" dirty="0"/>
-              <a:t>보유 포인트</a:t>
             </a:r>
           </a:p>
         </p:txBody>
@@ -4188,7 +4150,7 @@
         </p:nvCxnSpPr>
         <p:spPr>
           <a:xfrm>
-            <a:off x="5392886" y="5638800"/>
+            <a:off x="7225364" y="5633787"/>
             <a:ext cx="3561348" cy="0"/>
           </a:xfrm>
           <a:prstGeom prst="line">
@@ -4224,7 +4186,7 @@
         </p:nvCxnSpPr>
         <p:spPr>
           <a:xfrm>
-            <a:off x="6237318" y="5624821"/>
+            <a:off x="8069796" y="5619808"/>
             <a:ext cx="0" cy="602724"/>
           </a:xfrm>
           <a:prstGeom prst="line">
@@ -4260,7 +4222,7 @@
         </p:nvCxnSpPr>
         <p:spPr>
           <a:xfrm>
-            <a:off x="7226646" y="5638800"/>
+            <a:off x="9059124" y="5633787"/>
             <a:ext cx="0" cy="602724"/>
           </a:xfrm>
           <a:prstGeom prst="line">
@@ -4296,7 +4258,7 @@
         </p:nvCxnSpPr>
         <p:spPr>
           <a:xfrm>
-            <a:off x="8183685" y="5638800"/>
+            <a:off x="10016163" y="5633787"/>
             <a:ext cx="0" cy="602724"/>
           </a:xfrm>
           <a:prstGeom prst="line">
@@ -4332,7 +4294,7 @@
         </p:nvCxnSpPr>
         <p:spPr>
           <a:xfrm>
-            <a:off x="5392886" y="1236617"/>
+            <a:off x="7225364" y="1231604"/>
             <a:ext cx="3561348" cy="0"/>
           </a:xfrm>
           <a:prstGeom prst="line">
@@ -4368,7 +4330,7 @@
         </p:nvSpPr>
         <p:spPr>
           <a:xfrm>
-            <a:off x="5747118" y="754029"/>
+            <a:off x="7579596" y="749016"/>
             <a:ext cx="872355" cy="338554"/>
           </a:xfrm>
           <a:prstGeom prst="rect">
@@ -4403,7 +4365,7 @@
         </p:nvSpPr>
         <p:spPr>
           <a:xfrm>
-            <a:off x="5638800" y="1390865"/>
+            <a:off x="7471278" y="1385852"/>
             <a:ext cx="2775296" cy="369332"/>
           </a:xfrm>
           <a:prstGeom prst="rect">
@@ -4490,7 +4452,7 @@
         </p:nvSpPr>
         <p:spPr>
           <a:xfrm>
-            <a:off x="5638800" y="1811249"/>
+            <a:off x="7471278" y="1806236"/>
             <a:ext cx="2775296" cy="369332"/>
           </a:xfrm>
           <a:prstGeom prst="rect">
@@ -4530,7 +4492,7 @@
         </p:nvCxnSpPr>
         <p:spPr>
           <a:xfrm>
-            <a:off x="5623434" y="2365247"/>
+            <a:off x="7455912" y="2360234"/>
             <a:ext cx="3100251" cy="0"/>
           </a:xfrm>
           <a:prstGeom prst="line">
@@ -4566,7 +4528,7 @@
         </p:nvSpPr>
         <p:spPr>
           <a:xfrm>
-            <a:off x="5480166" y="2448577"/>
+            <a:off x="7312644" y="2443564"/>
             <a:ext cx="965329" cy="307777"/>
           </a:xfrm>
           <a:prstGeom prst="rect">
@@ -4601,7 +4563,7 @@
         </p:nvSpPr>
         <p:spPr>
           <a:xfrm>
-            <a:off x="5638800" y="2787133"/>
+            <a:off x="7471278" y="2782120"/>
             <a:ext cx="2775296" cy="369332"/>
           </a:xfrm>
           <a:prstGeom prst="rect">
@@ -4641,7 +4603,7 @@
         </p:nvSpPr>
         <p:spPr>
           <a:xfrm>
-            <a:off x="5638800" y="3237082"/>
+            <a:off x="7471278" y="3232069"/>
             <a:ext cx="2775296" cy="369332"/>
           </a:xfrm>
           <a:prstGeom prst="rect">
@@ -4681,7 +4643,7 @@
         </p:nvSpPr>
         <p:spPr>
           <a:xfrm>
-            <a:off x="5638800" y="3687031"/>
+            <a:off x="7471278" y="3682018"/>
             <a:ext cx="2775296" cy="369332"/>
           </a:xfrm>
           <a:prstGeom prst="rect">
@@ -4707,10 +4669,2020 @@
           </a:p>
         </p:txBody>
       </p:sp>
+      <p:sp>
+        <p:nvSpPr>
+          <p:cNvPr id="2" name="TextBox 1">
+            <a:extLst>
+              <a:ext uri="{FF2B5EF4-FFF2-40B4-BE49-F238E27FC236}">
+                <a16:creationId xmlns:a16="http://schemas.microsoft.com/office/drawing/2014/main" id="{5101779E-B9CD-5AA9-EF2F-DC1EBA8BAD7C}"/>
+              </a:ext>
+            </a:extLst>
+          </p:cNvPr>
+          <p:cNvSpPr txBox="1"/>
+          <p:nvPr/>
+        </p:nvSpPr>
+        <p:spPr>
+          <a:xfrm>
+            <a:off x="2682670" y="2365247"/>
+            <a:ext cx="1947310" cy="369332"/>
+          </a:xfrm>
+          <a:prstGeom prst="rect">
+            <a:avLst/>
+          </a:prstGeom>
+          <a:noFill/>
+          <a:ln>
+            <a:solidFill>
+              <a:schemeClr val="tx1"/>
+            </a:solidFill>
+          </a:ln>
+        </p:spPr>
+        <p:txBody>
+          <a:bodyPr wrap="square" rtlCol="0">
+            <a:spAutoFit/>
+          </a:bodyPr>
+          <a:lstStyle/>
+          <a:p>
+            <a:r>
+              <a:rPr lang="ko-KR" altLang="en-US" dirty="0"/>
+              <a:t>보유 포인트</a:t>
+            </a:r>
+          </a:p>
+        </p:txBody>
+      </p:sp>
     </p:spTree>
     <p:extLst>
       <p:ext uri="{BB962C8B-B14F-4D97-AF65-F5344CB8AC3E}">
         <p14:creationId xmlns:p14="http://schemas.microsoft.com/office/powerpoint/2010/main" val="4143548027"/>
+      </p:ext>
+    </p:extLst>
+  </p:cSld>
+  <p:clrMapOvr>
+    <a:masterClrMapping/>
+  </p:clrMapOvr>
+</p:sld>
+</file>
+
+<file path=ppt/slides/slide2.xml><?xml version="1.0" encoding="utf-8"?>
+<p:sld xmlns:a="http://schemas.openxmlformats.org/drawingml/2006/main" xmlns:r="http://schemas.openxmlformats.org/officeDocument/2006/relationships" xmlns:p="http://schemas.openxmlformats.org/presentationml/2006/main">
+  <p:cSld>
+    <p:spTree>
+      <p:nvGrpSpPr>
+        <p:cNvPr id="1" name=""/>
+        <p:cNvGrpSpPr/>
+        <p:nvPr/>
+      </p:nvGrpSpPr>
+      <p:grpSpPr>
+        <a:xfrm>
+          <a:off x="0" y="0"/>
+          <a:ext cx="0" cy="0"/>
+          <a:chOff x="0" y="0"/>
+          <a:chExt cx="0" cy="0"/>
+        </a:xfrm>
+      </p:grpSpPr>
+      <p:sp>
+        <p:nvSpPr>
+          <p:cNvPr id="4" name="사각형: 둥근 모서리 3">
+            <a:extLst>
+              <a:ext uri="{FF2B5EF4-FFF2-40B4-BE49-F238E27FC236}">
+                <a16:creationId xmlns:a16="http://schemas.microsoft.com/office/drawing/2014/main" id="{73CC65FD-1CEF-80B7-FEAE-16F340972870}"/>
+              </a:ext>
+            </a:extLst>
+          </p:cNvPr>
+          <p:cNvSpPr/>
+          <p:nvPr/>
+        </p:nvSpPr>
+        <p:spPr>
+          <a:xfrm>
+            <a:off x="1405288" y="558265"/>
+            <a:ext cx="3561348" cy="5669280"/>
+          </a:xfrm>
+          <a:prstGeom prst="roundRect">
+            <a:avLst/>
+          </a:prstGeom>
+          <a:noFill/>
+        </p:spPr>
+        <p:style>
+          <a:lnRef idx="2">
+            <a:schemeClr val="accent1">
+              <a:shade val="15000"/>
+            </a:schemeClr>
+          </a:lnRef>
+          <a:fillRef idx="1">
+            <a:schemeClr val="accent1"/>
+          </a:fillRef>
+          <a:effectRef idx="0">
+            <a:schemeClr val="accent1"/>
+          </a:effectRef>
+          <a:fontRef idx="minor">
+            <a:schemeClr val="lt1"/>
+          </a:fontRef>
+        </p:style>
+        <p:txBody>
+          <a:bodyPr rtlCol="0" anchor="ctr"/>
+          <a:lstStyle/>
+          <a:p>
+            <a:pPr algn="ctr"/>
+            <a:endParaRPr lang="ko-KR" altLang="en-US"/>
+          </a:p>
+        </p:txBody>
+      </p:sp>
+      <p:cxnSp>
+        <p:nvCxnSpPr>
+          <p:cNvPr id="5" name="직선 연결선 4">
+            <a:extLst>
+              <a:ext uri="{FF2B5EF4-FFF2-40B4-BE49-F238E27FC236}">
+                <a16:creationId xmlns:a16="http://schemas.microsoft.com/office/drawing/2014/main" id="{46FA0B0F-1652-B0A8-D3CA-4A8C9DBAAC5F}"/>
+              </a:ext>
+            </a:extLst>
+          </p:cNvPr>
+          <p:cNvCxnSpPr/>
+          <p:nvPr/>
+        </p:nvCxnSpPr>
+        <p:spPr>
+          <a:xfrm>
+            <a:off x="1405288" y="1236617"/>
+            <a:ext cx="3561348" cy="0"/>
+          </a:xfrm>
+          <a:prstGeom prst="line">
+            <a:avLst/>
+          </a:prstGeom>
+        </p:spPr>
+        <p:style>
+          <a:lnRef idx="2">
+            <a:schemeClr val="dk1"/>
+          </a:lnRef>
+          <a:fillRef idx="0">
+            <a:schemeClr val="dk1"/>
+          </a:fillRef>
+          <a:effectRef idx="1">
+            <a:schemeClr val="dk1"/>
+          </a:effectRef>
+          <a:fontRef idx="minor">
+            <a:schemeClr val="tx1"/>
+          </a:fontRef>
+        </p:style>
+      </p:cxnSp>
+      <p:sp>
+        <p:nvSpPr>
+          <p:cNvPr id="6" name="TextBox 5">
+            <a:extLst>
+              <a:ext uri="{FF2B5EF4-FFF2-40B4-BE49-F238E27FC236}">
+                <a16:creationId xmlns:a16="http://schemas.microsoft.com/office/drawing/2014/main" id="{FB9B79C1-76B4-EC4F-4377-017F26531D8E}"/>
+              </a:ext>
+            </a:extLst>
+          </p:cNvPr>
+          <p:cNvSpPr txBox="1"/>
+          <p:nvPr/>
+        </p:nvSpPr>
+        <p:spPr>
+          <a:xfrm>
+            <a:off x="1635835" y="741145"/>
+            <a:ext cx="872355" cy="338554"/>
+          </a:xfrm>
+          <a:prstGeom prst="rect">
+            <a:avLst/>
+          </a:prstGeom>
+          <a:noFill/>
+        </p:spPr>
+        <p:txBody>
+          <a:bodyPr wrap="none" rtlCol="0">
+            <a:spAutoFit/>
+          </a:bodyPr>
+          <a:lstStyle/>
+          <a:p>
+            <a:r>
+              <a:rPr lang="ko-KR" altLang="en-US" sz="1600" dirty="0"/>
+              <a:t>앱 이름</a:t>
+            </a:r>
+          </a:p>
+        </p:txBody>
+      </p:sp>
+      <p:sp>
+        <p:nvSpPr>
+          <p:cNvPr id="9" name="TextBox 8">
+            <a:extLst>
+              <a:ext uri="{FF2B5EF4-FFF2-40B4-BE49-F238E27FC236}">
+                <a16:creationId xmlns:a16="http://schemas.microsoft.com/office/drawing/2014/main" id="{AF3D8CF4-965B-A6D6-2402-96386550EFF2}"/>
+              </a:ext>
+            </a:extLst>
+          </p:cNvPr>
+          <p:cNvSpPr txBox="1"/>
+          <p:nvPr/>
+        </p:nvSpPr>
+        <p:spPr>
+          <a:xfrm>
+            <a:off x="1506583" y="2980536"/>
+            <a:ext cx="1757212" cy="307777"/>
+          </a:xfrm>
+          <a:prstGeom prst="rect">
+            <a:avLst/>
+          </a:prstGeom>
+          <a:noFill/>
+        </p:spPr>
+        <p:txBody>
+          <a:bodyPr wrap="square" rtlCol="0">
+            <a:spAutoFit/>
+          </a:bodyPr>
+          <a:lstStyle/>
+          <a:p>
+            <a:r>
+              <a:rPr lang="ko-KR" altLang="en-US" sz="1400" dirty="0"/>
+              <a:t>충전금액</a:t>
+            </a:r>
+          </a:p>
+        </p:txBody>
+      </p:sp>
+      <p:sp>
+        <p:nvSpPr>
+          <p:cNvPr id="12" name="직사각형 11">
+            <a:extLst>
+              <a:ext uri="{FF2B5EF4-FFF2-40B4-BE49-F238E27FC236}">
+                <a16:creationId xmlns:a16="http://schemas.microsoft.com/office/drawing/2014/main" id="{A552A2DE-986E-9DF0-6DD4-31CBED10538A}"/>
+              </a:ext>
+            </a:extLst>
+          </p:cNvPr>
+          <p:cNvSpPr/>
+          <p:nvPr/>
+        </p:nvSpPr>
+        <p:spPr>
+          <a:xfrm>
+            <a:off x="1620963" y="3321833"/>
+            <a:ext cx="2722438" cy="425864"/>
+          </a:xfrm>
+          <a:prstGeom prst="rect">
+            <a:avLst/>
+          </a:prstGeom>
+          <a:noFill/>
+        </p:spPr>
+        <p:style>
+          <a:lnRef idx="2">
+            <a:schemeClr val="accent1">
+              <a:shade val="15000"/>
+            </a:schemeClr>
+          </a:lnRef>
+          <a:fillRef idx="1">
+            <a:schemeClr val="accent1"/>
+          </a:fillRef>
+          <a:effectRef idx="0">
+            <a:schemeClr val="accent1"/>
+          </a:effectRef>
+          <a:fontRef idx="minor">
+            <a:schemeClr val="lt1"/>
+          </a:fontRef>
+        </p:style>
+        <p:txBody>
+          <a:bodyPr rtlCol="0" anchor="ctr"/>
+          <a:lstStyle/>
+          <a:p>
+            <a:pPr algn="ctr"/>
+            <a:endParaRPr lang="ko-KR" altLang="en-US"/>
+          </a:p>
+        </p:txBody>
+      </p:sp>
+      <p:sp>
+        <p:nvSpPr>
+          <p:cNvPr id="13" name="TextBox 12">
+            <a:extLst>
+              <a:ext uri="{FF2B5EF4-FFF2-40B4-BE49-F238E27FC236}">
+                <a16:creationId xmlns:a16="http://schemas.microsoft.com/office/drawing/2014/main" id="{CFDF5BB8-D396-F056-5B53-268FBBA2C45C}"/>
+              </a:ext>
+            </a:extLst>
+          </p:cNvPr>
+          <p:cNvSpPr txBox="1"/>
+          <p:nvPr/>
+        </p:nvSpPr>
+        <p:spPr>
+          <a:xfrm>
+            <a:off x="1742774" y="3375693"/>
+            <a:ext cx="2110770" cy="276999"/>
+          </a:xfrm>
+          <a:prstGeom prst="rect">
+            <a:avLst/>
+          </a:prstGeom>
+          <a:noFill/>
+        </p:spPr>
+        <p:txBody>
+          <a:bodyPr wrap="square" rtlCol="0">
+            <a:spAutoFit/>
+          </a:bodyPr>
+          <a:lstStyle/>
+          <a:p>
+            <a:r>
+              <a:rPr lang="ko-KR" altLang="en-US" sz="1200" dirty="0"/>
+              <a:t>충전 금액 입력</a:t>
+            </a:r>
+            <a:r>
+              <a:rPr lang="en-US" altLang="ko-KR" sz="1200" dirty="0"/>
+              <a:t>(</a:t>
+            </a:r>
+            <a:r>
+              <a:rPr lang="ko-KR" altLang="en-US" sz="1200" dirty="0"/>
+              <a:t>최소</a:t>
+            </a:r>
+            <a:r>
+              <a:rPr lang="en-US" altLang="ko-KR" sz="1200" dirty="0"/>
+              <a:t> 5000</a:t>
+            </a:r>
+            <a:r>
+              <a:rPr lang="ko-KR" altLang="en-US" sz="1200" dirty="0"/>
+              <a:t>원</a:t>
+            </a:r>
+            <a:r>
+              <a:rPr lang="en-US" altLang="ko-KR" sz="1200" dirty="0"/>
+              <a:t>)</a:t>
+            </a:r>
+            <a:endParaRPr lang="ko-KR" altLang="en-US" sz="1200" dirty="0"/>
+          </a:p>
+        </p:txBody>
+      </p:sp>
+      <p:sp>
+        <p:nvSpPr>
+          <p:cNvPr id="14" name="TextBox 13">
+            <a:extLst>
+              <a:ext uri="{FF2B5EF4-FFF2-40B4-BE49-F238E27FC236}">
+                <a16:creationId xmlns:a16="http://schemas.microsoft.com/office/drawing/2014/main" id="{F5986F28-DC3D-BD41-BFBB-9640E4F09C54}"/>
+              </a:ext>
+            </a:extLst>
+          </p:cNvPr>
+          <p:cNvSpPr txBox="1"/>
+          <p:nvPr/>
+        </p:nvSpPr>
+        <p:spPr>
+          <a:xfrm>
+            <a:off x="1506583" y="1335441"/>
+            <a:ext cx="723275" cy="307777"/>
+          </a:xfrm>
+          <a:prstGeom prst="rect">
+            <a:avLst/>
+          </a:prstGeom>
+          <a:noFill/>
+        </p:spPr>
+        <p:txBody>
+          <a:bodyPr wrap="none" rtlCol="0">
+            <a:spAutoFit/>
+          </a:bodyPr>
+          <a:lstStyle/>
+          <a:p>
+            <a:r>
+              <a:rPr lang="ko-KR" altLang="en-US" sz="1400" dirty="0"/>
+              <a:t>프로필</a:t>
+            </a:r>
+          </a:p>
+        </p:txBody>
+      </p:sp>
+      <p:sp>
+        <p:nvSpPr>
+          <p:cNvPr id="15" name="타원 14">
+            <a:extLst>
+              <a:ext uri="{FF2B5EF4-FFF2-40B4-BE49-F238E27FC236}">
+                <a16:creationId xmlns:a16="http://schemas.microsoft.com/office/drawing/2014/main" id="{2E1F1B4F-5574-58A1-5D4C-17307080698D}"/>
+              </a:ext>
+            </a:extLst>
+          </p:cNvPr>
+          <p:cNvSpPr/>
+          <p:nvPr/>
+        </p:nvSpPr>
+        <p:spPr>
+          <a:xfrm>
+            <a:off x="1506583" y="1732090"/>
+            <a:ext cx="896983" cy="896983"/>
+          </a:xfrm>
+          <a:prstGeom prst="ellipse">
+            <a:avLst/>
+          </a:prstGeom>
+          <a:solidFill>
+            <a:schemeClr val="bg1"/>
+          </a:solidFill>
+        </p:spPr>
+        <p:style>
+          <a:lnRef idx="2">
+            <a:schemeClr val="accent1">
+              <a:shade val="15000"/>
+            </a:schemeClr>
+          </a:lnRef>
+          <a:fillRef idx="1">
+            <a:schemeClr val="accent1"/>
+          </a:fillRef>
+          <a:effectRef idx="0">
+            <a:schemeClr val="accent1"/>
+          </a:effectRef>
+          <a:fontRef idx="minor">
+            <a:schemeClr val="lt1"/>
+          </a:fontRef>
+        </p:style>
+        <p:txBody>
+          <a:bodyPr rtlCol="0" anchor="ctr"/>
+          <a:lstStyle/>
+          <a:p>
+            <a:pPr algn="ctr"/>
+            <a:endParaRPr lang="ko-KR" altLang="en-US"/>
+          </a:p>
+        </p:txBody>
+      </p:sp>
+      <p:sp>
+        <p:nvSpPr>
+          <p:cNvPr id="18" name="TextBox 17">
+            <a:extLst>
+              <a:ext uri="{FF2B5EF4-FFF2-40B4-BE49-F238E27FC236}">
+                <a16:creationId xmlns:a16="http://schemas.microsoft.com/office/drawing/2014/main" id="{1D4BBAF3-BA38-716B-294C-715277BA3EDA}"/>
+              </a:ext>
+            </a:extLst>
+          </p:cNvPr>
+          <p:cNvSpPr txBox="1"/>
+          <p:nvPr/>
+        </p:nvSpPr>
+        <p:spPr>
+          <a:xfrm>
+            <a:off x="2682670" y="1621570"/>
+            <a:ext cx="1947310" cy="369332"/>
+          </a:xfrm>
+          <a:prstGeom prst="rect">
+            <a:avLst/>
+          </a:prstGeom>
+          <a:noFill/>
+          <a:ln>
+            <a:solidFill>
+              <a:schemeClr val="tx1"/>
+            </a:solidFill>
+          </a:ln>
+        </p:spPr>
+        <p:txBody>
+          <a:bodyPr wrap="square" rtlCol="0">
+            <a:spAutoFit/>
+          </a:bodyPr>
+          <a:lstStyle/>
+          <a:p>
+            <a:r>
+              <a:rPr lang="ko-KR" altLang="en-US" dirty="0"/>
+              <a:t>닉네임</a:t>
+            </a:r>
+          </a:p>
+        </p:txBody>
+      </p:sp>
+      <p:sp>
+        <p:nvSpPr>
+          <p:cNvPr id="19" name="TextBox 18">
+            <a:extLst>
+              <a:ext uri="{FF2B5EF4-FFF2-40B4-BE49-F238E27FC236}">
+                <a16:creationId xmlns:a16="http://schemas.microsoft.com/office/drawing/2014/main" id="{8DA1B4B3-29A1-7AB5-6404-422AEFD05BC4}"/>
+              </a:ext>
+            </a:extLst>
+          </p:cNvPr>
+          <p:cNvSpPr txBox="1"/>
+          <p:nvPr/>
+        </p:nvSpPr>
+        <p:spPr>
+          <a:xfrm>
+            <a:off x="2682670" y="1995915"/>
+            <a:ext cx="1947310" cy="369332"/>
+          </a:xfrm>
+          <a:prstGeom prst="rect">
+            <a:avLst/>
+          </a:prstGeom>
+          <a:noFill/>
+          <a:ln>
+            <a:solidFill>
+              <a:schemeClr val="tx1"/>
+            </a:solidFill>
+          </a:ln>
+        </p:spPr>
+        <p:txBody>
+          <a:bodyPr wrap="square" rtlCol="0">
+            <a:spAutoFit/>
+          </a:bodyPr>
+          <a:lstStyle/>
+          <a:p>
+            <a:r>
+              <a:rPr lang="ko-KR" altLang="en-US"/>
+              <a:t>신뢰 온도</a:t>
+            </a:r>
+            <a:endParaRPr lang="ko-KR" altLang="en-US" dirty="0"/>
+          </a:p>
+        </p:txBody>
+      </p:sp>
+      <p:sp>
+        <p:nvSpPr>
+          <p:cNvPr id="20" name="TextBox 19">
+            <a:extLst>
+              <a:ext uri="{FF2B5EF4-FFF2-40B4-BE49-F238E27FC236}">
+                <a16:creationId xmlns:a16="http://schemas.microsoft.com/office/drawing/2014/main" id="{CFFA1C5D-C044-17A0-6532-A99058EAE0A5}"/>
+              </a:ext>
+            </a:extLst>
+          </p:cNvPr>
+          <p:cNvSpPr txBox="1"/>
+          <p:nvPr/>
+        </p:nvSpPr>
+        <p:spPr>
+          <a:xfrm>
+            <a:off x="2682670" y="2365247"/>
+            <a:ext cx="1947310" cy="369332"/>
+          </a:xfrm>
+          <a:prstGeom prst="rect">
+            <a:avLst/>
+          </a:prstGeom>
+          <a:noFill/>
+          <a:ln>
+            <a:solidFill>
+              <a:schemeClr val="tx1"/>
+            </a:solidFill>
+          </a:ln>
+        </p:spPr>
+        <p:txBody>
+          <a:bodyPr wrap="square" rtlCol="0">
+            <a:spAutoFit/>
+          </a:bodyPr>
+          <a:lstStyle/>
+          <a:p>
+            <a:r>
+              <a:rPr lang="ko-KR" altLang="en-US" dirty="0"/>
+              <a:t>보유 포인트</a:t>
+            </a:r>
+          </a:p>
+        </p:txBody>
+      </p:sp>
+      <p:cxnSp>
+        <p:nvCxnSpPr>
+          <p:cNvPr id="21" name="직선 연결선 20">
+            <a:extLst>
+              <a:ext uri="{FF2B5EF4-FFF2-40B4-BE49-F238E27FC236}">
+                <a16:creationId xmlns:a16="http://schemas.microsoft.com/office/drawing/2014/main" id="{D80CE62B-F9DB-9D13-4FBA-0EABCE118FE0}"/>
+              </a:ext>
+            </a:extLst>
+          </p:cNvPr>
+          <p:cNvCxnSpPr/>
+          <p:nvPr/>
+        </p:nvCxnSpPr>
+        <p:spPr>
+          <a:xfrm>
+            <a:off x="1635836" y="2865120"/>
+            <a:ext cx="3100251" cy="0"/>
+          </a:xfrm>
+          <a:prstGeom prst="line">
+            <a:avLst/>
+          </a:prstGeom>
+        </p:spPr>
+        <p:style>
+          <a:lnRef idx="2">
+            <a:schemeClr val="dk1"/>
+          </a:lnRef>
+          <a:fillRef idx="0">
+            <a:schemeClr val="dk1"/>
+          </a:fillRef>
+          <a:effectRef idx="1">
+            <a:schemeClr val="dk1"/>
+          </a:effectRef>
+          <a:fontRef idx="minor">
+            <a:schemeClr val="tx1"/>
+          </a:fontRef>
+        </p:style>
+      </p:cxnSp>
+      <p:cxnSp>
+        <p:nvCxnSpPr>
+          <p:cNvPr id="22" name="직선 연결선 21">
+            <a:extLst>
+              <a:ext uri="{FF2B5EF4-FFF2-40B4-BE49-F238E27FC236}">
+                <a16:creationId xmlns:a16="http://schemas.microsoft.com/office/drawing/2014/main" id="{0C6B92DE-CE39-D3E2-1BC9-236A360AF429}"/>
+              </a:ext>
+            </a:extLst>
+          </p:cNvPr>
+          <p:cNvCxnSpPr/>
+          <p:nvPr/>
+        </p:nvCxnSpPr>
+        <p:spPr>
+          <a:xfrm>
+            <a:off x="1385426" y="5638800"/>
+            <a:ext cx="3561348" cy="0"/>
+          </a:xfrm>
+          <a:prstGeom prst="line">
+            <a:avLst/>
+          </a:prstGeom>
+        </p:spPr>
+        <p:style>
+          <a:lnRef idx="2">
+            <a:schemeClr val="dk1"/>
+          </a:lnRef>
+          <a:fillRef idx="0">
+            <a:schemeClr val="dk1"/>
+          </a:fillRef>
+          <a:effectRef idx="1">
+            <a:schemeClr val="dk1"/>
+          </a:effectRef>
+          <a:fontRef idx="minor">
+            <a:schemeClr val="tx1"/>
+          </a:fontRef>
+        </p:style>
+      </p:cxnSp>
+      <p:cxnSp>
+        <p:nvCxnSpPr>
+          <p:cNvPr id="23" name="직선 연결선 22">
+            <a:extLst>
+              <a:ext uri="{FF2B5EF4-FFF2-40B4-BE49-F238E27FC236}">
+                <a16:creationId xmlns:a16="http://schemas.microsoft.com/office/drawing/2014/main" id="{45FD63E8-D7D2-E896-2F58-F67EE97469D2}"/>
+              </a:ext>
+            </a:extLst>
+          </p:cNvPr>
+          <p:cNvCxnSpPr/>
+          <p:nvPr/>
+        </p:nvCxnSpPr>
+        <p:spPr>
+          <a:xfrm>
+            <a:off x="2229858" y="5624821"/>
+            <a:ext cx="0" cy="602724"/>
+          </a:xfrm>
+          <a:prstGeom prst="line">
+            <a:avLst/>
+          </a:prstGeom>
+        </p:spPr>
+        <p:style>
+          <a:lnRef idx="2">
+            <a:schemeClr val="dk1"/>
+          </a:lnRef>
+          <a:fillRef idx="0">
+            <a:schemeClr val="dk1"/>
+          </a:fillRef>
+          <a:effectRef idx="1">
+            <a:schemeClr val="dk1"/>
+          </a:effectRef>
+          <a:fontRef idx="minor">
+            <a:schemeClr val="tx1"/>
+          </a:fontRef>
+        </p:style>
+      </p:cxnSp>
+      <p:cxnSp>
+        <p:nvCxnSpPr>
+          <p:cNvPr id="24" name="직선 연결선 23">
+            <a:extLst>
+              <a:ext uri="{FF2B5EF4-FFF2-40B4-BE49-F238E27FC236}">
+                <a16:creationId xmlns:a16="http://schemas.microsoft.com/office/drawing/2014/main" id="{0F527329-FC98-E57C-E33A-B166FE93AB7D}"/>
+              </a:ext>
+            </a:extLst>
+          </p:cNvPr>
+          <p:cNvCxnSpPr/>
+          <p:nvPr/>
+        </p:nvCxnSpPr>
+        <p:spPr>
+          <a:xfrm>
+            <a:off x="3219186" y="5638800"/>
+            <a:ext cx="0" cy="602724"/>
+          </a:xfrm>
+          <a:prstGeom prst="line">
+            <a:avLst/>
+          </a:prstGeom>
+        </p:spPr>
+        <p:style>
+          <a:lnRef idx="2">
+            <a:schemeClr val="dk1"/>
+          </a:lnRef>
+          <a:fillRef idx="0">
+            <a:schemeClr val="dk1"/>
+          </a:fillRef>
+          <a:effectRef idx="1">
+            <a:schemeClr val="dk1"/>
+          </a:effectRef>
+          <a:fontRef idx="minor">
+            <a:schemeClr val="tx1"/>
+          </a:fontRef>
+        </p:style>
+      </p:cxnSp>
+      <p:cxnSp>
+        <p:nvCxnSpPr>
+          <p:cNvPr id="25" name="직선 연결선 24">
+            <a:extLst>
+              <a:ext uri="{FF2B5EF4-FFF2-40B4-BE49-F238E27FC236}">
+                <a16:creationId xmlns:a16="http://schemas.microsoft.com/office/drawing/2014/main" id="{D9B6B0BB-B007-0E74-6C71-781341C644FC}"/>
+              </a:ext>
+            </a:extLst>
+          </p:cNvPr>
+          <p:cNvCxnSpPr/>
+          <p:nvPr/>
+        </p:nvCxnSpPr>
+        <p:spPr>
+          <a:xfrm>
+            <a:off x="4176225" y="5638800"/>
+            <a:ext cx="0" cy="602724"/>
+          </a:xfrm>
+          <a:prstGeom prst="line">
+            <a:avLst/>
+          </a:prstGeom>
+        </p:spPr>
+        <p:style>
+          <a:lnRef idx="2">
+            <a:schemeClr val="dk1"/>
+          </a:lnRef>
+          <a:fillRef idx="0">
+            <a:schemeClr val="dk1"/>
+          </a:fillRef>
+          <a:effectRef idx="1">
+            <a:schemeClr val="dk1"/>
+          </a:effectRef>
+          <a:fontRef idx="minor">
+            <a:schemeClr val="tx1"/>
+          </a:fontRef>
+        </p:style>
+      </p:cxnSp>
+      <p:sp>
+        <p:nvSpPr>
+          <p:cNvPr id="27" name="직사각형 26">
+            <a:extLst>
+              <a:ext uri="{FF2B5EF4-FFF2-40B4-BE49-F238E27FC236}">
+                <a16:creationId xmlns:a16="http://schemas.microsoft.com/office/drawing/2014/main" id="{54E752A2-D128-E914-2BE1-F207BAB3050E}"/>
+              </a:ext>
+            </a:extLst>
+          </p:cNvPr>
+          <p:cNvSpPr/>
+          <p:nvPr/>
+        </p:nvSpPr>
+        <p:spPr>
+          <a:xfrm>
+            <a:off x="2595209" y="5212088"/>
+            <a:ext cx="1141782" cy="325772"/>
+          </a:xfrm>
+          <a:prstGeom prst="rect">
+            <a:avLst/>
+          </a:prstGeom>
+          <a:noFill/>
+        </p:spPr>
+        <p:style>
+          <a:lnRef idx="2">
+            <a:schemeClr val="accent1">
+              <a:shade val="15000"/>
+            </a:schemeClr>
+          </a:lnRef>
+          <a:fillRef idx="1">
+            <a:schemeClr val="accent1"/>
+          </a:fillRef>
+          <a:effectRef idx="0">
+            <a:schemeClr val="accent1"/>
+          </a:effectRef>
+          <a:fontRef idx="minor">
+            <a:schemeClr val="lt1"/>
+          </a:fontRef>
+        </p:style>
+        <p:txBody>
+          <a:bodyPr rtlCol="0" anchor="ctr"/>
+          <a:lstStyle/>
+          <a:p>
+            <a:pPr algn="ctr"/>
+            <a:endParaRPr lang="ko-KR" altLang="en-US"/>
+          </a:p>
+        </p:txBody>
+      </p:sp>
+      <p:sp>
+        <p:nvSpPr>
+          <p:cNvPr id="29" name="TextBox 28">
+            <a:extLst>
+              <a:ext uri="{FF2B5EF4-FFF2-40B4-BE49-F238E27FC236}">
+                <a16:creationId xmlns:a16="http://schemas.microsoft.com/office/drawing/2014/main" id="{B2FA9EBB-CB3E-F64E-A9E1-4AA326983A80}"/>
+              </a:ext>
+            </a:extLst>
+          </p:cNvPr>
+          <p:cNvSpPr txBox="1"/>
+          <p:nvPr/>
+        </p:nvSpPr>
+        <p:spPr>
+          <a:xfrm>
+            <a:off x="2907893" y="5236474"/>
+            <a:ext cx="553116" cy="276999"/>
+          </a:xfrm>
+          <a:prstGeom prst="rect">
+            <a:avLst/>
+          </a:prstGeom>
+          <a:noFill/>
+        </p:spPr>
+        <p:txBody>
+          <a:bodyPr wrap="square" rtlCol="0">
+            <a:spAutoFit/>
+          </a:bodyPr>
+          <a:lstStyle/>
+          <a:p>
+            <a:r>
+              <a:rPr lang="ko-KR" altLang="en-US" sz="1200" dirty="0"/>
+              <a:t>충전</a:t>
+            </a:r>
+          </a:p>
+        </p:txBody>
+      </p:sp>
+      <p:sp>
+        <p:nvSpPr>
+          <p:cNvPr id="32" name="TextBox 31">
+            <a:extLst>
+              <a:ext uri="{FF2B5EF4-FFF2-40B4-BE49-F238E27FC236}">
+                <a16:creationId xmlns:a16="http://schemas.microsoft.com/office/drawing/2014/main" id="{EF4968E3-FD46-008F-B8AB-3C1FB4728F6C}"/>
+              </a:ext>
+            </a:extLst>
+          </p:cNvPr>
+          <p:cNvSpPr txBox="1"/>
+          <p:nvPr/>
+        </p:nvSpPr>
+        <p:spPr>
+          <a:xfrm>
+            <a:off x="1524960" y="3829638"/>
+            <a:ext cx="1757212" cy="307777"/>
+          </a:xfrm>
+          <a:prstGeom prst="rect">
+            <a:avLst/>
+          </a:prstGeom>
+          <a:noFill/>
+        </p:spPr>
+        <p:txBody>
+          <a:bodyPr wrap="square" rtlCol="0">
+            <a:spAutoFit/>
+          </a:bodyPr>
+          <a:lstStyle/>
+          <a:p>
+            <a:r>
+              <a:rPr lang="ko-KR" altLang="en-US" sz="1400" dirty="0"/>
+              <a:t>출금 계좌</a:t>
+            </a:r>
+          </a:p>
+        </p:txBody>
+      </p:sp>
+      <p:sp>
+        <p:nvSpPr>
+          <p:cNvPr id="33" name="사각형: 둥근 모서리 32">
+            <a:extLst>
+              <a:ext uri="{FF2B5EF4-FFF2-40B4-BE49-F238E27FC236}">
+                <a16:creationId xmlns:a16="http://schemas.microsoft.com/office/drawing/2014/main" id="{06B60A95-8713-7D85-51A7-1742EA90ED15}"/>
+              </a:ext>
+            </a:extLst>
+          </p:cNvPr>
+          <p:cNvSpPr/>
+          <p:nvPr/>
+        </p:nvSpPr>
+        <p:spPr>
+          <a:xfrm>
+            <a:off x="1635834" y="4204409"/>
+            <a:ext cx="1583351" cy="853894"/>
+          </a:xfrm>
+          <a:prstGeom prst="roundRect">
+            <a:avLst/>
+          </a:prstGeom>
+          <a:noFill/>
+        </p:spPr>
+        <p:style>
+          <a:lnRef idx="2">
+            <a:schemeClr val="accent1">
+              <a:shade val="15000"/>
+            </a:schemeClr>
+          </a:lnRef>
+          <a:fillRef idx="1">
+            <a:schemeClr val="accent1"/>
+          </a:fillRef>
+          <a:effectRef idx="0">
+            <a:schemeClr val="accent1"/>
+          </a:effectRef>
+          <a:fontRef idx="minor">
+            <a:schemeClr val="lt1"/>
+          </a:fontRef>
+        </p:style>
+        <p:txBody>
+          <a:bodyPr rtlCol="0" anchor="ctr"/>
+          <a:lstStyle/>
+          <a:p>
+            <a:pPr algn="ctr"/>
+            <a:endParaRPr lang="ko-KR" altLang="en-US"/>
+          </a:p>
+        </p:txBody>
+      </p:sp>
+      <p:sp>
+        <p:nvSpPr>
+          <p:cNvPr id="34" name="사각형: 둥근 모서리 33">
+            <a:extLst>
+              <a:ext uri="{FF2B5EF4-FFF2-40B4-BE49-F238E27FC236}">
+                <a16:creationId xmlns:a16="http://schemas.microsoft.com/office/drawing/2014/main" id="{0303C0EB-AC76-90A8-5C5B-BF9894978E75}"/>
+              </a:ext>
+            </a:extLst>
+          </p:cNvPr>
+          <p:cNvSpPr/>
+          <p:nvPr/>
+        </p:nvSpPr>
+        <p:spPr>
+          <a:xfrm>
+            <a:off x="3301235" y="4210244"/>
+            <a:ext cx="1583351" cy="853894"/>
+          </a:xfrm>
+          <a:prstGeom prst="roundRect">
+            <a:avLst/>
+          </a:prstGeom>
+          <a:noFill/>
+        </p:spPr>
+        <p:style>
+          <a:lnRef idx="2">
+            <a:schemeClr val="accent1">
+              <a:shade val="15000"/>
+            </a:schemeClr>
+          </a:lnRef>
+          <a:fillRef idx="1">
+            <a:schemeClr val="accent1"/>
+          </a:fillRef>
+          <a:effectRef idx="0">
+            <a:schemeClr val="accent1"/>
+          </a:effectRef>
+          <a:fontRef idx="minor">
+            <a:schemeClr val="lt1"/>
+          </a:fontRef>
+        </p:style>
+        <p:txBody>
+          <a:bodyPr rtlCol="0" anchor="ctr"/>
+          <a:lstStyle/>
+          <a:p>
+            <a:pPr algn="ctr"/>
+            <a:endParaRPr lang="ko-KR" altLang="en-US"/>
+          </a:p>
+        </p:txBody>
+      </p:sp>
+      <p:sp>
+        <p:nvSpPr>
+          <p:cNvPr id="35" name="사각형: 둥근 모서리 34">
+            <a:extLst>
+              <a:ext uri="{FF2B5EF4-FFF2-40B4-BE49-F238E27FC236}">
+                <a16:creationId xmlns:a16="http://schemas.microsoft.com/office/drawing/2014/main" id="{4A5C2363-D6A4-7B7F-399B-4C6E4FEFEE27}"/>
+              </a:ext>
+            </a:extLst>
+          </p:cNvPr>
+          <p:cNvSpPr/>
+          <p:nvPr/>
+        </p:nvSpPr>
+        <p:spPr>
+          <a:xfrm>
+            <a:off x="7348888" y="558265"/>
+            <a:ext cx="3561348" cy="5669280"/>
+          </a:xfrm>
+          <a:prstGeom prst="roundRect">
+            <a:avLst/>
+          </a:prstGeom>
+          <a:noFill/>
+        </p:spPr>
+        <p:style>
+          <a:lnRef idx="2">
+            <a:schemeClr val="accent1">
+              <a:shade val="15000"/>
+            </a:schemeClr>
+          </a:lnRef>
+          <a:fillRef idx="1">
+            <a:schemeClr val="accent1"/>
+          </a:fillRef>
+          <a:effectRef idx="0">
+            <a:schemeClr val="accent1"/>
+          </a:effectRef>
+          <a:fontRef idx="minor">
+            <a:schemeClr val="lt1"/>
+          </a:fontRef>
+        </p:style>
+        <p:txBody>
+          <a:bodyPr rtlCol="0" anchor="ctr"/>
+          <a:lstStyle/>
+          <a:p>
+            <a:pPr algn="ctr"/>
+            <a:endParaRPr lang="ko-KR" altLang="en-US"/>
+          </a:p>
+        </p:txBody>
+      </p:sp>
+      <p:sp>
+        <p:nvSpPr>
+          <p:cNvPr id="36" name="타원 35">
+            <a:extLst>
+              <a:ext uri="{FF2B5EF4-FFF2-40B4-BE49-F238E27FC236}">
+                <a16:creationId xmlns:a16="http://schemas.microsoft.com/office/drawing/2014/main" id="{253B2208-92AA-CADA-984C-17157860FBEB}"/>
+              </a:ext>
+            </a:extLst>
+          </p:cNvPr>
+          <p:cNvSpPr/>
+          <p:nvPr/>
+        </p:nvSpPr>
+        <p:spPr>
+          <a:xfrm>
+            <a:off x="7505879" y="1569072"/>
+            <a:ext cx="896983" cy="896983"/>
+          </a:xfrm>
+          <a:prstGeom prst="ellipse">
+            <a:avLst/>
+          </a:prstGeom>
+          <a:solidFill>
+            <a:schemeClr val="bg1"/>
+          </a:solidFill>
+        </p:spPr>
+        <p:style>
+          <a:lnRef idx="2">
+            <a:schemeClr val="accent1">
+              <a:shade val="15000"/>
+            </a:schemeClr>
+          </a:lnRef>
+          <a:fillRef idx="1">
+            <a:schemeClr val="accent1"/>
+          </a:fillRef>
+          <a:effectRef idx="0">
+            <a:schemeClr val="accent1"/>
+          </a:effectRef>
+          <a:fontRef idx="minor">
+            <a:schemeClr val="lt1"/>
+          </a:fontRef>
+        </p:style>
+        <p:txBody>
+          <a:bodyPr rtlCol="0" anchor="ctr"/>
+          <a:lstStyle/>
+          <a:p>
+            <a:pPr algn="ctr"/>
+            <a:endParaRPr lang="ko-KR" altLang="en-US"/>
+          </a:p>
+        </p:txBody>
+      </p:sp>
+      <p:sp>
+        <p:nvSpPr>
+          <p:cNvPr id="37" name="TextBox 36">
+            <a:extLst>
+              <a:ext uri="{FF2B5EF4-FFF2-40B4-BE49-F238E27FC236}">
+                <a16:creationId xmlns:a16="http://schemas.microsoft.com/office/drawing/2014/main" id="{D76DAF40-CBC4-9352-9F8D-F9A33E0E3BC9}"/>
+              </a:ext>
+            </a:extLst>
+          </p:cNvPr>
+          <p:cNvSpPr txBox="1"/>
+          <p:nvPr/>
+        </p:nvSpPr>
+        <p:spPr>
+          <a:xfrm>
+            <a:off x="8155907" y="710367"/>
+            <a:ext cx="1947310" cy="369332"/>
+          </a:xfrm>
+          <a:prstGeom prst="rect">
+            <a:avLst/>
+          </a:prstGeom>
+          <a:noFill/>
+          <a:ln>
+            <a:solidFill>
+              <a:schemeClr val="tx1"/>
+            </a:solidFill>
+          </a:ln>
+        </p:spPr>
+        <p:txBody>
+          <a:bodyPr wrap="square" rtlCol="0">
+            <a:spAutoFit/>
+          </a:bodyPr>
+          <a:lstStyle/>
+          <a:p>
+            <a:r>
+              <a:rPr lang="ko-KR" altLang="en-US" dirty="0"/>
+              <a:t>물건 이름</a:t>
+            </a:r>
+          </a:p>
+        </p:txBody>
+      </p:sp>
+      <p:sp>
+        <p:nvSpPr>
+          <p:cNvPr id="38" name="TextBox 37">
+            <a:extLst>
+              <a:ext uri="{FF2B5EF4-FFF2-40B4-BE49-F238E27FC236}">
+                <a16:creationId xmlns:a16="http://schemas.microsoft.com/office/drawing/2014/main" id="{B362ABDD-F87E-2349-4892-867678AAACE2}"/>
+              </a:ext>
+            </a:extLst>
+          </p:cNvPr>
+          <p:cNvSpPr txBox="1"/>
+          <p:nvPr/>
+        </p:nvSpPr>
+        <p:spPr>
+          <a:xfrm>
+            <a:off x="8568065" y="1536196"/>
+            <a:ext cx="2167317" cy="1107996"/>
+          </a:xfrm>
+          <a:prstGeom prst="rect">
+            <a:avLst/>
+          </a:prstGeom>
+          <a:noFill/>
+          <a:ln>
+            <a:solidFill>
+              <a:schemeClr val="tx1"/>
+            </a:solidFill>
+          </a:ln>
+        </p:spPr>
+        <p:txBody>
+          <a:bodyPr wrap="square" rtlCol="0">
+            <a:spAutoFit/>
+          </a:bodyPr>
+          <a:lstStyle/>
+          <a:p>
+            <a:r>
+              <a:rPr lang="en-US" altLang="ko-KR" sz="1100" dirty="0"/>
+              <a:t>1 2 3 4 5 6 7 8 9 10 11 12 13</a:t>
+            </a:r>
+            <a:br>
+              <a:rPr lang="en-US" altLang="ko-KR" sz="1100" dirty="0"/>
+            </a:br>
+            <a:r>
+              <a:rPr lang="en-US" altLang="ko-KR" sz="1100" dirty="0"/>
+              <a:t>2</a:t>
+            </a:r>
+            <a:br>
+              <a:rPr lang="en-US" altLang="ko-KR" sz="1100" dirty="0"/>
+            </a:br>
+            <a:r>
+              <a:rPr lang="en-US" altLang="ko-KR" sz="1100" dirty="0"/>
+              <a:t>3</a:t>
+            </a:r>
+            <a:br>
+              <a:rPr lang="en-US" altLang="ko-KR" sz="1100" dirty="0"/>
+            </a:br>
+            <a:r>
+              <a:rPr lang="en-US" altLang="ko-KR" sz="1100" dirty="0"/>
+              <a:t>4</a:t>
+            </a:r>
+            <a:br>
+              <a:rPr lang="en-US" altLang="ko-KR" sz="1100" dirty="0"/>
+            </a:br>
+            <a:r>
+              <a:rPr lang="en-US" altLang="ko-KR" sz="1100" dirty="0"/>
+              <a:t>5</a:t>
+            </a:r>
+            <a:br>
+              <a:rPr lang="en-US" altLang="ko-KR" sz="1100" dirty="0"/>
+            </a:br>
+            <a:r>
+              <a:rPr lang="en-US" altLang="ko-KR" sz="1100" dirty="0"/>
+              <a:t>6</a:t>
+            </a:r>
+            <a:endParaRPr lang="ko-KR" altLang="en-US" sz="1100" dirty="0"/>
+          </a:p>
+        </p:txBody>
+      </p:sp>
+      <p:sp>
+        <p:nvSpPr>
+          <p:cNvPr id="39" name="TextBox 38">
+            <a:extLst>
+              <a:ext uri="{FF2B5EF4-FFF2-40B4-BE49-F238E27FC236}">
+                <a16:creationId xmlns:a16="http://schemas.microsoft.com/office/drawing/2014/main" id="{834888A1-FB6A-6023-B35B-A8CCE38F10FB}"/>
+              </a:ext>
+            </a:extLst>
+          </p:cNvPr>
+          <p:cNvSpPr txBox="1"/>
+          <p:nvPr/>
+        </p:nvSpPr>
+        <p:spPr>
+          <a:xfrm>
+            <a:off x="8155907" y="1070222"/>
+            <a:ext cx="1947310" cy="369332"/>
+          </a:xfrm>
+          <a:prstGeom prst="rect">
+            <a:avLst/>
+          </a:prstGeom>
+          <a:noFill/>
+          <a:ln>
+            <a:solidFill>
+              <a:schemeClr val="tx1"/>
+            </a:solidFill>
+          </a:ln>
+        </p:spPr>
+        <p:txBody>
+          <a:bodyPr wrap="square" rtlCol="0">
+            <a:spAutoFit/>
+          </a:bodyPr>
+          <a:lstStyle/>
+          <a:p>
+            <a:r>
+              <a:rPr lang="ko-KR" altLang="en-US" dirty="0"/>
+              <a:t>마감 시간</a:t>
+            </a:r>
+          </a:p>
+        </p:txBody>
+      </p:sp>
+      <p:cxnSp>
+        <p:nvCxnSpPr>
+          <p:cNvPr id="40" name="직선 연결선 39">
+            <a:extLst>
+              <a:ext uri="{FF2B5EF4-FFF2-40B4-BE49-F238E27FC236}">
+                <a16:creationId xmlns:a16="http://schemas.microsoft.com/office/drawing/2014/main" id="{D49D6E34-A586-AFE3-8CF2-5358E4246E51}"/>
+              </a:ext>
+            </a:extLst>
+          </p:cNvPr>
+          <p:cNvCxnSpPr/>
+          <p:nvPr/>
+        </p:nvCxnSpPr>
+        <p:spPr>
+          <a:xfrm>
+            <a:off x="7635132" y="2702102"/>
+            <a:ext cx="3100251" cy="0"/>
+          </a:xfrm>
+          <a:prstGeom prst="line">
+            <a:avLst/>
+          </a:prstGeom>
+        </p:spPr>
+        <p:style>
+          <a:lnRef idx="2">
+            <a:schemeClr val="dk1"/>
+          </a:lnRef>
+          <a:fillRef idx="0">
+            <a:schemeClr val="dk1"/>
+          </a:fillRef>
+          <a:effectRef idx="1">
+            <a:schemeClr val="dk1"/>
+          </a:effectRef>
+          <a:fontRef idx="minor">
+            <a:schemeClr val="tx1"/>
+          </a:fontRef>
+        </p:style>
+      </p:cxnSp>
+      <p:sp>
+        <p:nvSpPr>
+          <p:cNvPr id="41" name="TextBox 40">
+            <a:extLst>
+              <a:ext uri="{FF2B5EF4-FFF2-40B4-BE49-F238E27FC236}">
+                <a16:creationId xmlns:a16="http://schemas.microsoft.com/office/drawing/2014/main" id="{F8ED7453-57FA-EBA5-B432-47DB776BEB9B}"/>
+              </a:ext>
+            </a:extLst>
+          </p:cNvPr>
+          <p:cNvSpPr txBox="1"/>
+          <p:nvPr/>
+        </p:nvSpPr>
+        <p:spPr>
+          <a:xfrm>
+            <a:off x="7652650" y="5236474"/>
+            <a:ext cx="2002971" cy="369332"/>
+          </a:xfrm>
+          <a:prstGeom prst="rect">
+            <a:avLst/>
+          </a:prstGeom>
+          <a:noFill/>
+          <a:ln>
+            <a:solidFill>
+              <a:schemeClr val="tx1"/>
+            </a:solidFill>
+          </a:ln>
+        </p:spPr>
+        <p:txBody>
+          <a:bodyPr wrap="square" rtlCol="0">
+            <a:spAutoFit/>
+          </a:bodyPr>
+          <a:lstStyle/>
+          <a:p>
+            <a:r>
+              <a:rPr lang="ko-KR" altLang="en-US" dirty="0" err="1"/>
+              <a:t>택스트</a:t>
+            </a:r>
+            <a:r>
+              <a:rPr lang="ko-KR" altLang="en-US" dirty="0"/>
+              <a:t> 필드</a:t>
+            </a:r>
+          </a:p>
+        </p:txBody>
+      </p:sp>
+      <p:sp>
+        <p:nvSpPr>
+          <p:cNvPr id="42" name="TextBox 41">
+            <a:extLst>
+              <a:ext uri="{FF2B5EF4-FFF2-40B4-BE49-F238E27FC236}">
+                <a16:creationId xmlns:a16="http://schemas.microsoft.com/office/drawing/2014/main" id="{B9F01EC0-C52F-D9D4-B6D9-48B3FDE541E6}"/>
+              </a:ext>
+            </a:extLst>
+          </p:cNvPr>
+          <p:cNvSpPr txBox="1"/>
+          <p:nvPr/>
+        </p:nvSpPr>
+        <p:spPr>
+          <a:xfrm>
+            <a:off x="9833124" y="5236474"/>
+            <a:ext cx="660705" cy="369332"/>
+          </a:xfrm>
+          <a:prstGeom prst="rect">
+            <a:avLst/>
+          </a:prstGeom>
+          <a:noFill/>
+          <a:ln>
+            <a:solidFill>
+              <a:schemeClr val="tx1"/>
+            </a:solidFill>
+          </a:ln>
+        </p:spPr>
+        <p:txBody>
+          <a:bodyPr wrap="square" rtlCol="0">
+            <a:spAutoFit/>
+          </a:bodyPr>
+          <a:lstStyle/>
+          <a:p>
+            <a:r>
+              <a:rPr lang="ko-KR" altLang="en-US" dirty="0"/>
+              <a:t>입력</a:t>
+            </a:r>
+          </a:p>
+        </p:txBody>
+      </p:sp>
+      <p:sp>
+        <p:nvSpPr>
+          <p:cNvPr id="43" name="TextBox 42">
+            <a:extLst>
+              <a:ext uri="{FF2B5EF4-FFF2-40B4-BE49-F238E27FC236}">
+                <a16:creationId xmlns:a16="http://schemas.microsoft.com/office/drawing/2014/main" id="{A484AAD2-2839-E7AC-A7C4-359D1DC36D04}"/>
+              </a:ext>
+            </a:extLst>
+          </p:cNvPr>
+          <p:cNvSpPr txBox="1"/>
+          <p:nvPr/>
+        </p:nvSpPr>
+        <p:spPr>
+          <a:xfrm>
+            <a:off x="8568066" y="3037313"/>
+            <a:ext cx="1087555" cy="369332"/>
+          </a:xfrm>
+          <a:prstGeom prst="rect">
+            <a:avLst/>
+          </a:prstGeom>
+          <a:noFill/>
+          <a:ln>
+            <a:solidFill>
+              <a:schemeClr val="tx1"/>
+            </a:solidFill>
+          </a:ln>
+        </p:spPr>
+        <p:txBody>
+          <a:bodyPr wrap="square" rtlCol="0">
+            <a:spAutoFit/>
+          </a:bodyPr>
+          <a:lstStyle/>
+          <a:p>
+            <a:r>
+              <a:rPr lang="en-US" altLang="ko-KR"/>
+              <a:t>40000</a:t>
+            </a:r>
+            <a:r>
+              <a:rPr lang="ko-KR" altLang="en-US" dirty="0"/>
+              <a:t>원</a:t>
+            </a:r>
+          </a:p>
+        </p:txBody>
+      </p:sp>
+      <p:sp>
+        <p:nvSpPr>
+          <p:cNvPr id="44" name="타원 43">
+            <a:extLst>
+              <a:ext uri="{FF2B5EF4-FFF2-40B4-BE49-F238E27FC236}">
+                <a16:creationId xmlns:a16="http://schemas.microsoft.com/office/drawing/2014/main" id="{52DD8F44-A998-98D0-FC50-289C447E718F}"/>
+              </a:ext>
+            </a:extLst>
+          </p:cNvPr>
+          <p:cNvSpPr/>
+          <p:nvPr/>
+        </p:nvSpPr>
+        <p:spPr>
+          <a:xfrm>
+            <a:off x="9833124" y="2981335"/>
+            <a:ext cx="461555" cy="461555"/>
+          </a:xfrm>
+          <a:prstGeom prst="ellipse">
+            <a:avLst/>
+          </a:prstGeom>
+          <a:solidFill>
+            <a:schemeClr val="bg1"/>
+          </a:solidFill>
+        </p:spPr>
+        <p:style>
+          <a:lnRef idx="2">
+            <a:schemeClr val="accent1">
+              <a:shade val="15000"/>
+            </a:schemeClr>
+          </a:lnRef>
+          <a:fillRef idx="1">
+            <a:schemeClr val="accent1"/>
+          </a:fillRef>
+          <a:effectRef idx="0">
+            <a:schemeClr val="accent1"/>
+          </a:effectRef>
+          <a:fontRef idx="minor">
+            <a:schemeClr val="lt1"/>
+          </a:fontRef>
+        </p:style>
+        <p:txBody>
+          <a:bodyPr rtlCol="0" anchor="ctr"/>
+          <a:lstStyle/>
+          <a:p>
+            <a:pPr algn="ctr"/>
+            <a:endParaRPr lang="ko-KR" altLang="en-US"/>
+          </a:p>
+        </p:txBody>
+      </p:sp>
+      <p:sp>
+        <p:nvSpPr>
+          <p:cNvPr id="45" name="타원 44">
+            <a:extLst>
+              <a:ext uri="{FF2B5EF4-FFF2-40B4-BE49-F238E27FC236}">
+                <a16:creationId xmlns:a16="http://schemas.microsoft.com/office/drawing/2014/main" id="{1EE151B8-94DE-6E1B-1EDC-B1641EFA57B2}"/>
+              </a:ext>
+            </a:extLst>
+          </p:cNvPr>
+          <p:cNvSpPr/>
+          <p:nvPr/>
+        </p:nvSpPr>
+        <p:spPr>
+          <a:xfrm>
+            <a:off x="7505879" y="3543470"/>
+            <a:ext cx="461555" cy="461555"/>
+          </a:xfrm>
+          <a:prstGeom prst="ellipse">
+            <a:avLst/>
+          </a:prstGeom>
+          <a:solidFill>
+            <a:schemeClr val="bg1"/>
+          </a:solidFill>
+        </p:spPr>
+        <p:style>
+          <a:lnRef idx="2">
+            <a:schemeClr val="accent1">
+              <a:shade val="15000"/>
+            </a:schemeClr>
+          </a:lnRef>
+          <a:fillRef idx="1">
+            <a:schemeClr val="accent1"/>
+          </a:fillRef>
+          <a:effectRef idx="0">
+            <a:schemeClr val="accent1"/>
+          </a:effectRef>
+          <a:fontRef idx="minor">
+            <a:schemeClr val="lt1"/>
+          </a:fontRef>
+        </p:style>
+        <p:txBody>
+          <a:bodyPr rtlCol="0" anchor="ctr"/>
+          <a:lstStyle/>
+          <a:p>
+            <a:pPr algn="ctr"/>
+            <a:endParaRPr lang="ko-KR" altLang="en-US"/>
+          </a:p>
+        </p:txBody>
+      </p:sp>
+      <p:sp>
+        <p:nvSpPr>
+          <p:cNvPr id="46" name="TextBox 45">
+            <a:extLst>
+              <a:ext uri="{FF2B5EF4-FFF2-40B4-BE49-F238E27FC236}">
+                <a16:creationId xmlns:a16="http://schemas.microsoft.com/office/drawing/2014/main" id="{3F5DDEA9-529D-F4B2-18CB-E72A422361FA}"/>
+              </a:ext>
+            </a:extLst>
+          </p:cNvPr>
+          <p:cNvSpPr txBox="1"/>
+          <p:nvPr/>
+        </p:nvSpPr>
+        <p:spPr>
+          <a:xfrm>
+            <a:off x="8138188" y="3582251"/>
+            <a:ext cx="1087555" cy="369332"/>
+          </a:xfrm>
+          <a:prstGeom prst="rect">
+            <a:avLst/>
+          </a:prstGeom>
+          <a:noFill/>
+          <a:ln>
+            <a:solidFill>
+              <a:schemeClr val="tx1"/>
+            </a:solidFill>
+          </a:ln>
+        </p:spPr>
+        <p:txBody>
+          <a:bodyPr wrap="square" rtlCol="0">
+            <a:spAutoFit/>
+          </a:bodyPr>
+          <a:lstStyle/>
+          <a:p>
+            <a:r>
+              <a:rPr lang="en-US" altLang="ko-KR" dirty="0"/>
+              <a:t>45000</a:t>
+            </a:r>
+            <a:r>
+              <a:rPr lang="ko-KR" altLang="en-US" dirty="0"/>
+              <a:t>원</a:t>
+            </a:r>
+          </a:p>
+        </p:txBody>
+      </p:sp>
+      <p:sp>
+        <p:nvSpPr>
+          <p:cNvPr id="47" name="타원 46">
+            <a:extLst>
+              <a:ext uri="{FF2B5EF4-FFF2-40B4-BE49-F238E27FC236}">
+                <a16:creationId xmlns:a16="http://schemas.microsoft.com/office/drawing/2014/main" id="{FE38878D-005E-00C3-D030-BDEBE862652C}"/>
+              </a:ext>
+            </a:extLst>
+          </p:cNvPr>
+          <p:cNvSpPr/>
+          <p:nvPr/>
+        </p:nvSpPr>
+        <p:spPr>
+          <a:xfrm>
+            <a:off x="7505879" y="4144318"/>
+            <a:ext cx="461555" cy="461555"/>
+          </a:xfrm>
+          <a:prstGeom prst="ellipse">
+            <a:avLst/>
+          </a:prstGeom>
+          <a:solidFill>
+            <a:schemeClr val="bg1"/>
+          </a:solidFill>
+        </p:spPr>
+        <p:style>
+          <a:lnRef idx="2">
+            <a:schemeClr val="accent1">
+              <a:shade val="15000"/>
+            </a:schemeClr>
+          </a:lnRef>
+          <a:fillRef idx="1">
+            <a:schemeClr val="accent1"/>
+          </a:fillRef>
+          <a:effectRef idx="0">
+            <a:schemeClr val="accent1"/>
+          </a:effectRef>
+          <a:fontRef idx="minor">
+            <a:schemeClr val="lt1"/>
+          </a:fontRef>
+        </p:style>
+        <p:txBody>
+          <a:bodyPr rtlCol="0" anchor="ctr"/>
+          <a:lstStyle/>
+          <a:p>
+            <a:pPr algn="ctr"/>
+            <a:endParaRPr lang="ko-KR" altLang="en-US"/>
+          </a:p>
+        </p:txBody>
+      </p:sp>
+      <p:sp>
+        <p:nvSpPr>
+          <p:cNvPr id="48" name="TextBox 47">
+            <a:extLst>
+              <a:ext uri="{FF2B5EF4-FFF2-40B4-BE49-F238E27FC236}">
+                <a16:creationId xmlns:a16="http://schemas.microsoft.com/office/drawing/2014/main" id="{547CB5D9-DD85-7416-13B4-78A4F2E29B3B}"/>
+              </a:ext>
+            </a:extLst>
+          </p:cNvPr>
+          <p:cNvSpPr txBox="1"/>
+          <p:nvPr/>
+        </p:nvSpPr>
+        <p:spPr>
+          <a:xfrm>
+            <a:off x="8138188" y="4183099"/>
+            <a:ext cx="1087555" cy="369332"/>
+          </a:xfrm>
+          <a:prstGeom prst="rect">
+            <a:avLst/>
+          </a:prstGeom>
+          <a:noFill/>
+          <a:ln>
+            <a:solidFill>
+              <a:schemeClr val="tx1"/>
+            </a:solidFill>
+          </a:ln>
+        </p:spPr>
+        <p:txBody>
+          <a:bodyPr wrap="square" rtlCol="0">
+            <a:spAutoFit/>
+          </a:bodyPr>
+          <a:lstStyle/>
+          <a:p>
+            <a:r>
+              <a:rPr lang="en-US" altLang="ko-KR" dirty="0"/>
+              <a:t>50000</a:t>
+            </a:r>
+            <a:r>
+              <a:rPr lang="ko-KR" altLang="en-US" dirty="0"/>
+              <a:t>원</a:t>
+            </a:r>
+          </a:p>
+        </p:txBody>
+      </p:sp>
+      <p:sp>
+        <p:nvSpPr>
+          <p:cNvPr id="49" name="직사각형 48">
+            <a:extLst>
+              <a:ext uri="{FF2B5EF4-FFF2-40B4-BE49-F238E27FC236}">
+                <a16:creationId xmlns:a16="http://schemas.microsoft.com/office/drawing/2014/main" id="{F83AA507-E8F7-DDA5-850B-0327D15C88B4}"/>
+              </a:ext>
+            </a:extLst>
+          </p:cNvPr>
+          <p:cNvSpPr/>
+          <p:nvPr/>
+        </p:nvSpPr>
+        <p:spPr>
+          <a:xfrm>
+            <a:off x="10493829" y="3288313"/>
+            <a:ext cx="173211" cy="1207373"/>
+          </a:xfrm>
+          <a:prstGeom prst="rect">
+            <a:avLst/>
+          </a:prstGeom>
+        </p:spPr>
+        <p:style>
+          <a:lnRef idx="2">
+            <a:schemeClr val="accent1">
+              <a:shade val="15000"/>
+            </a:schemeClr>
+          </a:lnRef>
+          <a:fillRef idx="1">
+            <a:schemeClr val="accent1"/>
+          </a:fillRef>
+          <a:effectRef idx="0">
+            <a:schemeClr val="accent1"/>
+          </a:effectRef>
+          <a:fontRef idx="minor">
+            <a:schemeClr val="lt1"/>
+          </a:fontRef>
+        </p:style>
+        <p:txBody>
+          <a:bodyPr rtlCol="0" anchor="ctr"/>
+          <a:lstStyle/>
+          <a:p>
+            <a:pPr algn="ctr"/>
+            <a:endParaRPr lang="ko-KR" altLang="en-US"/>
+          </a:p>
+        </p:txBody>
+      </p:sp>
+      <p:cxnSp>
+        <p:nvCxnSpPr>
+          <p:cNvPr id="50" name="직선 연결선 49">
+            <a:extLst>
+              <a:ext uri="{FF2B5EF4-FFF2-40B4-BE49-F238E27FC236}">
+                <a16:creationId xmlns:a16="http://schemas.microsoft.com/office/drawing/2014/main" id="{CA62BD18-6C54-C8A1-3E01-E6661762DE7C}"/>
+              </a:ext>
+            </a:extLst>
+          </p:cNvPr>
+          <p:cNvCxnSpPr/>
+          <p:nvPr/>
+        </p:nvCxnSpPr>
+        <p:spPr>
+          <a:xfrm>
+            <a:off x="7348888" y="5058303"/>
+            <a:ext cx="3561348" cy="0"/>
+          </a:xfrm>
+          <a:prstGeom prst="line">
+            <a:avLst/>
+          </a:prstGeom>
+        </p:spPr>
+        <p:style>
+          <a:lnRef idx="2">
+            <a:schemeClr val="dk1"/>
+          </a:lnRef>
+          <a:fillRef idx="0">
+            <a:schemeClr val="dk1"/>
+          </a:fillRef>
+          <a:effectRef idx="1">
+            <a:schemeClr val="dk1"/>
+          </a:effectRef>
+          <a:fontRef idx="minor">
+            <a:schemeClr val="tx1"/>
+          </a:fontRef>
+        </p:style>
+      </p:cxnSp>
+    </p:spTree>
+    <p:extLst>
+      <p:ext uri="{BB962C8B-B14F-4D97-AF65-F5344CB8AC3E}">
+        <p14:creationId xmlns:p14="http://schemas.microsoft.com/office/powerpoint/2010/main" val="53511331"/>
+      </p:ext>
+    </p:extLst>
+  </p:cSld>
+  <p:clrMapOvr>
+    <a:masterClrMapping/>
+  </p:clrMapOvr>
+</p:sld>
+</file>
+
+<file path=ppt/slides/slide3.xml><?xml version="1.0" encoding="utf-8"?>
+<p:sld xmlns:a="http://schemas.openxmlformats.org/drawingml/2006/main" xmlns:r="http://schemas.openxmlformats.org/officeDocument/2006/relationships" xmlns:p="http://schemas.openxmlformats.org/presentationml/2006/main">
+  <p:cSld>
+    <p:spTree>
+      <p:nvGrpSpPr>
+        <p:cNvPr id="1" name=""/>
+        <p:cNvGrpSpPr/>
+        <p:nvPr/>
+      </p:nvGrpSpPr>
+      <p:grpSpPr>
+        <a:xfrm>
+          <a:off x="0" y="0"/>
+          <a:ext cx="0" cy="0"/>
+          <a:chOff x="0" y="0"/>
+          <a:chExt cx="0" cy="0"/>
+        </a:xfrm>
+      </p:grpSpPr>
+      <p:sp>
+        <p:nvSpPr>
+          <p:cNvPr id="4" name="사각형: 둥근 모서리 3">
+            <a:extLst>
+              <a:ext uri="{FF2B5EF4-FFF2-40B4-BE49-F238E27FC236}">
+                <a16:creationId xmlns:a16="http://schemas.microsoft.com/office/drawing/2014/main" id="{214BB09F-645F-4BD0-994F-EEC1697E648D}"/>
+              </a:ext>
+            </a:extLst>
+          </p:cNvPr>
+          <p:cNvSpPr/>
+          <p:nvPr/>
+        </p:nvSpPr>
+        <p:spPr>
+          <a:xfrm>
+            <a:off x="1405288" y="558265"/>
+            <a:ext cx="3561348" cy="5669280"/>
+          </a:xfrm>
+          <a:prstGeom prst="roundRect">
+            <a:avLst/>
+          </a:prstGeom>
+          <a:noFill/>
+        </p:spPr>
+        <p:style>
+          <a:lnRef idx="2">
+            <a:schemeClr val="accent1">
+              <a:shade val="15000"/>
+            </a:schemeClr>
+          </a:lnRef>
+          <a:fillRef idx="1">
+            <a:schemeClr val="accent1"/>
+          </a:fillRef>
+          <a:effectRef idx="0">
+            <a:schemeClr val="accent1"/>
+          </a:effectRef>
+          <a:fontRef idx="minor">
+            <a:schemeClr val="lt1"/>
+          </a:fontRef>
+        </p:style>
+        <p:txBody>
+          <a:bodyPr rtlCol="0" anchor="ctr"/>
+          <a:lstStyle/>
+          <a:p>
+            <a:pPr algn="ctr"/>
+            <a:endParaRPr lang="ko-KR" altLang="en-US"/>
+          </a:p>
+        </p:txBody>
+      </p:sp>
+      <p:cxnSp>
+        <p:nvCxnSpPr>
+          <p:cNvPr id="5" name="직선 연결선 4">
+            <a:extLst>
+              <a:ext uri="{FF2B5EF4-FFF2-40B4-BE49-F238E27FC236}">
+                <a16:creationId xmlns:a16="http://schemas.microsoft.com/office/drawing/2014/main" id="{F385696B-5363-81A4-63BE-D6B399032801}"/>
+              </a:ext>
+            </a:extLst>
+          </p:cNvPr>
+          <p:cNvCxnSpPr/>
+          <p:nvPr/>
+        </p:nvCxnSpPr>
+        <p:spPr>
+          <a:xfrm>
+            <a:off x="1405288" y="1236617"/>
+            <a:ext cx="3561348" cy="0"/>
+          </a:xfrm>
+          <a:prstGeom prst="line">
+            <a:avLst/>
+          </a:prstGeom>
+        </p:spPr>
+        <p:style>
+          <a:lnRef idx="2">
+            <a:schemeClr val="dk1"/>
+          </a:lnRef>
+          <a:fillRef idx="0">
+            <a:schemeClr val="dk1"/>
+          </a:fillRef>
+          <a:effectRef idx="1">
+            <a:schemeClr val="dk1"/>
+          </a:effectRef>
+          <a:fontRef idx="minor">
+            <a:schemeClr val="tx1"/>
+          </a:fontRef>
+        </p:style>
+      </p:cxnSp>
+      <p:sp>
+        <p:nvSpPr>
+          <p:cNvPr id="6" name="TextBox 5">
+            <a:extLst>
+              <a:ext uri="{FF2B5EF4-FFF2-40B4-BE49-F238E27FC236}">
+                <a16:creationId xmlns:a16="http://schemas.microsoft.com/office/drawing/2014/main" id="{BDE5D13F-6E53-5668-52D0-CC20F4EEE53C}"/>
+              </a:ext>
+            </a:extLst>
+          </p:cNvPr>
+          <p:cNvSpPr txBox="1"/>
+          <p:nvPr/>
+        </p:nvSpPr>
+        <p:spPr>
+          <a:xfrm>
+            <a:off x="1635835" y="741145"/>
+            <a:ext cx="872355" cy="338554"/>
+          </a:xfrm>
+          <a:prstGeom prst="rect">
+            <a:avLst/>
+          </a:prstGeom>
+          <a:noFill/>
+        </p:spPr>
+        <p:txBody>
+          <a:bodyPr wrap="none" rtlCol="0">
+            <a:spAutoFit/>
+          </a:bodyPr>
+          <a:lstStyle/>
+          <a:p>
+            <a:r>
+              <a:rPr lang="ko-KR" altLang="en-US" sz="1600" dirty="0"/>
+              <a:t>앱 이름</a:t>
+            </a:r>
+          </a:p>
+        </p:txBody>
+      </p:sp>
+      <p:sp>
+        <p:nvSpPr>
+          <p:cNvPr id="7" name="타원 6">
+            <a:extLst>
+              <a:ext uri="{FF2B5EF4-FFF2-40B4-BE49-F238E27FC236}">
+                <a16:creationId xmlns:a16="http://schemas.microsoft.com/office/drawing/2014/main" id="{78E9A105-3EA5-9607-D990-06076982510F}"/>
+              </a:ext>
+            </a:extLst>
+          </p:cNvPr>
+          <p:cNvSpPr/>
+          <p:nvPr/>
+        </p:nvSpPr>
+        <p:spPr>
+          <a:xfrm>
+            <a:off x="2737470" y="1732090"/>
+            <a:ext cx="896983" cy="896983"/>
+          </a:xfrm>
+          <a:prstGeom prst="ellipse">
+            <a:avLst/>
+          </a:prstGeom>
+          <a:solidFill>
+            <a:schemeClr val="bg1"/>
+          </a:solidFill>
+        </p:spPr>
+        <p:style>
+          <a:lnRef idx="2">
+            <a:schemeClr val="accent1">
+              <a:shade val="15000"/>
+            </a:schemeClr>
+          </a:lnRef>
+          <a:fillRef idx="1">
+            <a:schemeClr val="accent1"/>
+          </a:fillRef>
+          <a:effectRef idx="0">
+            <a:schemeClr val="accent1"/>
+          </a:effectRef>
+          <a:fontRef idx="minor">
+            <a:schemeClr val="lt1"/>
+          </a:fontRef>
+        </p:style>
+        <p:txBody>
+          <a:bodyPr rtlCol="0" anchor="ctr"/>
+          <a:lstStyle/>
+          <a:p>
+            <a:pPr algn="ctr"/>
+            <a:endParaRPr lang="ko-KR" altLang="en-US"/>
+          </a:p>
+        </p:txBody>
+      </p:sp>
+      <p:sp>
+        <p:nvSpPr>
+          <p:cNvPr id="9" name="TextBox 8">
+            <a:extLst>
+              <a:ext uri="{FF2B5EF4-FFF2-40B4-BE49-F238E27FC236}">
+                <a16:creationId xmlns:a16="http://schemas.microsoft.com/office/drawing/2014/main" id="{1CFEC33E-1123-2F57-40E0-A20C3ECFF54F}"/>
+              </a:ext>
+            </a:extLst>
+          </p:cNvPr>
+          <p:cNvSpPr txBox="1"/>
+          <p:nvPr/>
+        </p:nvSpPr>
+        <p:spPr>
+          <a:xfrm>
+            <a:off x="1691753" y="3178083"/>
+            <a:ext cx="2988416" cy="369332"/>
+          </a:xfrm>
+          <a:prstGeom prst="rect">
+            <a:avLst/>
+          </a:prstGeom>
+          <a:noFill/>
+          <a:ln>
+            <a:solidFill>
+              <a:schemeClr val="tx1"/>
+            </a:solidFill>
+          </a:ln>
+        </p:spPr>
+        <p:txBody>
+          <a:bodyPr wrap="square" rtlCol="0">
+            <a:spAutoFit/>
+          </a:bodyPr>
+          <a:lstStyle/>
+          <a:p>
+            <a:r>
+              <a:rPr lang="ko-KR" altLang="en-US" dirty="0"/>
+              <a:t>닉네임</a:t>
+            </a:r>
+          </a:p>
+        </p:txBody>
+      </p:sp>
+      <p:sp>
+        <p:nvSpPr>
+          <p:cNvPr id="13" name="직사각형 12">
+            <a:extLst>
+              <a:ext uri="{FF2B5EF4-FFF2-40B4-BE49-F238E27FC236}">
+                <a16:creationId xmlns:a16="http://schemas.microsoft.com/office/drawing/2014/main" id="{DA4E1FFC-1553-E527-6214-3AFF12EAA4FD}"/>
+              </a:ext>
+            </a:extLst>
+          </p:cNvPr>
+          <p:cNvSpPr/>
+          <p:nvPr/>
+        </p:nvSpPr>
+        <p:spPr>
+          <a:xfrm>
+            <a:off x="2595209" y="5212088"/>
+            <a:ext cx="1141782" cy="325772"/>
+          </a:xfrm>
+          <a:prstGeom prst="rect">
+            <a:avLst/>
+          </a:prstGeom>
+          <a:noFill/>
+        </p:spPr>
+        <p:style>
+          <a:lnRef idx="2">
+            <a:schemeClr val="accent1">
+              <a:shade val="15000"/>
+            </a:schemeClr>
+          </a:lnRef>
+          <a:fillRef idx="1">
+            <a:schemeClr val="accent1"/>
+          </a:fillRef>
+          <a:effectRef idx="0">
+            <a:schemeClr val="accent1"/>
+          </a:effectRef>
+          <a:fontRef idx="minor">
+            <a:schemeClr val="lt1"/>
+          </a:fontRef>
+        </p:style>
+        <p:txBody>
+          <a:bodyPr rtlCol="0" anchor="ctr"/>
+          <a:lstStyle/>
+          <a:p>
+            <a:pPr algn="ctr"/>
+            <a:endParaRPr lang="ko-KR" altLang="en-US"/>
+          </a:p>
+        </p:txBody>
+      </p:sp>
+      <p:sp>
+        <p:nvSpPr>
+          <p:cNvPr id="14" name="TextBox 13">
+            <a:extLst>
+              <a:ext uri="{FF2B5EF4-FFF2-40B4-BE49-F238E27FC236}">
+                <a16:creationId xmlns:a16="http://schemas.microsoft.com/office/drawing/2014/main" id="{5B41A68F-8A23-90DE-6799-231844EC85B2}"/>
+              </a:ext>
+            </a:extLst>
+          </p:cNvPr>
+          <p:cNvSpPr txBox="1"/>
+          <p:nvPr/>
+        </p:nvSpPr>
+        <p:spPr>
+          <a:xfrm>
+            <a:off x="2907893" y="5236474"/>
+            <a:ext cx="553116" cy="276999"/>
+          </a:xfrm>
+          <a:prstGeom prst="rect">
+            <a:avLst/>
+          </a:prstGeom>
+          <a:noFill/>
+        </p:spPr>
+        <p:txBody>
+          <a:bodyPr wrap="square" rtlCol="0">
+            <a:spAutoFit/>
+          </a:bodyPr>
+          <a:lstStyle/>
+          <a:p>
+            <a:r>
+              <a:rPr lang="ko-KR" altLang="en-US" sz="1200" dirty="0"/>
+              <a:t>저장</a:t>
+            </a:r>
+          </a:p>
+        </p:txBody>
+      </p:sp>
+      <p:cxnSp>
+        <p:nvCxnSpPr>
+          <p:cNvPr id="15" name="직선 연결선 14">
+            <a:extLst>
+              <a:ext uri="{FF2B5EF4-FFF2-40B4-BE49-F238E27FC236}">
+                <a16:creationId xmlns:a16="http://schemas.microsoft.com/office/drawing/2014/main" id="{E8559066-6D68-F736-BE8A-A1A1FF7B21FE}"/>
+              </a:ext>
+            </a:extLst>
+          </p:cNvPr>
+          <p:cNvCxnSpPr/>
+          <p:nvPr/>
+        </p:nvCxnSpPr>
+        <p:spPr>
+          <a:xfrm>
+            <a:off x="1635836" y="2865120"/>
+            <a:ext cx="3100251" cy="0"/>
+          </a:xfrm>
+          <a:prstGeom prst="line">
+            <a:avLst/>
+          </a:prstGeom>
+        </p:spPr>
+        <p:style>
+          <a:lnRef idx="2">
+            <a:schemeClr val="dk1"/>
+          </a:lnRef>
+          <a:fillRef idx="0">
+            <a:schemeClr val="dk1"/>
+          </a:fillRef>
+          <a:effectRef idx="1">
+            <a:schemeClr val="dk1"/>
+          </a:effectRef>
+          <a:fontRef idx="minor">
+            <a:schemeClr val="tx1"/>
+          </a:fontRef>
+        </p:style>
+      </p:cxnSp>
+    </p:spTree>
+    <p:extLst>
+      <p:ext uri="{BB962C8B-B14F-4D97-AF65-F5344CB8AC3E}">
+        <p14:creationId xmlns:p14="http://schemas.microsoft.com/office/powerpoint/2010/main" val="4117043043"/>
       </p:ext>
     </p:extLst>
   </p:cSld>
